--- a/FRIGORIFICO LA MARRANERA.pptx
+++ b/FRIGORIFICO LA MARRANERA.pptx
@@ -6259,15 +6259,7 @@
           <a:p>
             <a:r>
               <a:rPr lang="es-ES" dirty="0"/>
-              <a:t>El servidor aun se encuentra con los recursos </a:t>
-            </a:r>
-            <a:r>
-              <a:rPr lang="es-ES" dirty="0" err="1"/>
-              <a:t>optimos</a:t>
-            </a:r>
-            <a:r>
-              <a:rPr lang="es-ES" dirty="0"/>
-              <a:t>, no hay preocupaciones en cuanto a capacidad ni consumo.</a:t>
+              <a:t>El servidor aun se encuentra con los recursos óptimos, no hay preocupaciones en cuanto a capacidad ni consumo.</a:t>
             </a:r>
             <a:endParaRPr lang="es-CO" dirty="0"/>
           </a:p>
